--- a/ch05/access_token.pptx
+++ b/ch05/access_token.pptx
@@ -8,6 +8,8 @@
     <p:sldId id="256" r:id="rId3"/>
     <p:sldId id="257" r:id="rId4"/>
     <p:sldId id="258" r:id="rId5"/>
+    <p:sldId id="259" r:id="rId6"/>
+    <p:sldId id="260" r:id="rId7"/>
   </p:sldIdLst>
   <p:sldSz cx="12192000" cy="6858000"/>
   <p:notesSz cx="6858000" cy="9144000"/>
@@ -2996,7 +2998,7 @@
         <p:spPr>
           <a:xfrm>
             <a:off x="838200" y="1316355"/>
-            <a:ext cx="10515600" cy="4860925"/>
+            <a:ext cx="10515600" cy="4958080"/>
           </a:xfrm>
         </p:spPr>
         <p:txBody>
@@ -3031,36 +3033,6 @@
             </a:endParaRPr>
           </a:p>
           <a:p>
-            <a:r>
-              <a:rPr lang="zh-CN" altLang="en-US">
-                <a:solidFill>
-                  <a:schemeClr val="tx1"/>
-                </a:solidFill>
-                <a:uFillTx/>
-                <a:latin typeface="FreeMono" panose="020F0409020205020404" charset="0"/>
-              </a:rPr>
-              <a:t>开发者调用微信公众号提供的其他接口需要先通过</a:t>
-            </a:r>
-            <a:r>
-              <a:rPr lang="en-US" altLang="zh-CN">
-                <a:solidFill>
-                  <a:schemeClr val="tx1"/>
-                </a:solidFill>
-                <a:uFillTx/>
-                <a:latin typeface="FreeMono" panose="020F0409020205020404" charset="0"/>
-              </a:rPr>
-              <a:t>access_token</a:t>
-            </a:r>
-            <a:r>
-              <a:rPr lang="zh-CN" altLang="en-US">
-                <a:solidFill>
-                  <a:schemeClr val="tx1"/>
-                </a:solidFill>
-                <a:uFillTx/>
-                <a:latin typeface="FreeMono" panose="020F0409020205020404" charset="0"/>
-              </a:rPr>
-              <a:t>接口获取凭证。</a:t>
-            </a:r>
             <a:endParaRPr lang="zh-CN" altLang="en-US">
               <a:solidFill>
                 <a:schemeClr val="tx1"/>
@@ -3078,7 +3050,27 @@
                 <a:uFillTx/>
                 <a:latin typeface="FreeMono" panose="020F0409020205020404" charset="0"/>
               </a:rPr>
-              <a:t>通过获取的凭证再去调用其他接口。</a:t>
+              <a:t>开发者调用微信公众号提供的其他接口需要先通过</a:t>
+            </a:r>
+            <a:r>
+              <a:rPr lang="en-US" altLang="zh-CN">
+                <a:solidFill>
+                  <a:schemeClr val="tx1"/>
+                </a:solidFill>
+                <a:uFillTx/>
+                <a:latin typeface="FreeMono" panose="020F0409020205020404" charset="0"/>
+              </a:rPr>
+              <a:t>access_token</a:t>
+            </a:r>
+            <a:r>
+              <a:rPr lang="zh-CN" altLang="en-US">
+                <a:solidFill>
+                  <a:schemeClr val="tx1"/>
+                </a:solidFill>
+                <a:uFillTx/>
+                <a:latin typeface="FreeMono" panose="020F0409020205020404" charset="0"/>
+              </a:rPr>
+              <a:t>接口获取凭证。</a:t>
             </a:r>
             <a:endParaRPr lang="zh-CN" altLang="en-US">
               <a:solidFill>
@@ -3089,6 +3081,43 @@
             </a:endParaRPr>
           </a:p>
           <a:p>
+            <a:endParaRPr lang="zh-CN" altLang="en-US">
+              <a:solidFill>
+                <a:schemeClr val="tx1"/>
+              </a:solidFill>
+              <a:uFillTx/>
+              <a:latin typeface="FreeMono" panose="020F0409020205020404" charset="0"/>
+            </a:endParaRPr>
+          </a:p>
+          <a:p>
+            <a:r>
+              <a:rPr lang="zh-CN" altLang="en-US">
+                <a:solidFill>
+                  <a:schemeClr val="tx1"/>
+                </a:solidFill>
+                <a:uFillTx/>
+                <a:latin typeface="FreeMono" panose="020F0409020205020404" charset="0"/>
+              </a:rPr>
+              <a:t>通过获取的凭证再去调用其他接口。</a:t>
+            </a:r>
+            <a:endParaRPr lang="zh-CN" altLang="en-US">
+              <a:solidFill>
+                <a:schemeClr val="tx1"/>
+              </a:solidFill>
+              <a:uFillTx/>
+              <a:latin typeface="FreeMono" panose="020F0409020205020404" charset="0"/>
+            </a:endParaRPr>
+          </a:p>
+          <a:p>
+            <a:endParaRPr lang="zh-CN" altLang="en-US">
+              <a:solidFill>
+                <a:schemeClr val="tx1"/>
+              </a:solidFill>
+              <a:uFillTx/>
+              <a:latin typeface="FreeMono" panose="020F0409020205020404" charset="0"/>
+            </a:endParaRPr>
+          </a:p>
+          <a:p>
             <a:r>
               <a:rPr lang="zh-CN" altLang="en-US">
                 <a:solidFill>
@@ -3140,6 +3169,15 @@
               <a:t>值。</a:t>
             </a:r>
             <a:endParaRPr lang="zh-CN" altLang="en-US">
+              <a:solidFill>
+                <a:schemeClr val="tx1"/>
+              </a:solidFill>
+              <a:uFillTx/>
+              <a:latin typeface="FreeMono" panose="020F0409020205020404" charset="0"/>
+            </a:endParaRPr>
+          </a:p>
+          <a:p>
+            <a:endParaRPr lang="en-US" altLang="zh-CN">
               <a:solidFill>
                 <a:schemeClr val="tx1"/>
               </a:solidFill>
@@ -3296,46 +3334,6 @@
             </a:endParaRPr>
           </a:p>
           <a:p>
-            <a:r>
-              <a:rPr lang="en-US" altLang="zh-CN">
-                <a:solidFill>
-                  <a:schemeClr val="tx1"/>
-                </a:solidFill>
-                <a:uFillTx/>
-                <a:latin typeface="FreeMono" panose="020F0409020205020404" charset="0"/>
-              </a:rPr>
-              <a:t>AppID</a:t>
-            </a:r>
-            <a:r>
-              <a:rPr lang="zh-CN" altLang="en-US">
-                <a:solidFill>
-                  <a:schemeClr val="tx1"/>
-                </a:solidFill>
-                <a:uFillTx/>
-                <a:latin typeface="FreeMono" panose="020F0409020205020404" charset="0"/>
-              </a:rPr>
-              <a:t>是注册公众号分配的唯一</a:t>
-            </a:r>
-            <a:r>
-              <a:rPr lang="en-US" altLang="zh-CN">
-                <a:solidFill>
-                  <a:schemeClr val="tx1"/>
-                </a:solidFill>
-                <a:uFillTx/>
-                <a:latin typeface="FreeMono" panose="020F0409020205020404" charset="0"/>
-              </a:rPr>
-              <a:t>ID</a:t>
-            </a:r>
-            <a:r>
-              <a:rPr lang="zh-CN" altLang="en-US">
-                <a:solidFill>
-                  <a:schemeClr val="tx1"/>
-                </a:solidFill>
-                <a:uFillTx/>
-                <a:latin typeface="FreeMono" panose="020F0409020205020404" charset="0"/>
-              </a:rPr>
-              <a:t>。</a:t>
-            </a:r>
             <a:endParaRPr lang="zh-CN" altLang="en-US">
               <a:solidFill>
                 <a:schemeClr val="tx1"/>
@@ -3353,6 +3351,64 @@
                 <a:uFillTx/>
                 <a:latin typeface="FreeMono" panose="020F0409020205020404" charset="0"/>
               </a:rPr>
+              <a:t>AppID</a:t>
+            </a:r>
+            <a:r>
+              <a:rPr lang="zh-CN" altLang="en-US">
+                <a:solidFill>
+                  <a:schemeClr val="tx1"/>
+                </a:solidFill>
+                <a:uFillTx/>
+                <a:latin typeface="FreeMono" panose="020F0409020205020404" charset="0"/>
+              </a:rPr>
+              <a:t>是注册公众号分配的唯一</a:t>
+            </a:r>
+            <a:r>
+              <a:rPr lang="en-US" altLang="zh-CN">
+                <a:solidFill>
+                  <a:schemeClr val="tx1"/>
+                </a:solidFill>
+                <a:uFillTx/>
+                <a:latin typeface="FreeMono" panose="020F0409020205020404" charset="0"/>
+              </a:rPr>
+              <a:t>ID</a:t>
+            </a:r>
+            <a:r>
+              <a:rPr lang="zh-CN" altLang="en-US">
+                <a:solidFill>
+                  <a:schemeClr val="tx1"/>
+                </a:solidFill>
+                <a:uFillTx/>
+                <a:latin typeface="FreeMono" panose="020F0409020205020404" charset="0"/>
+              </a:rPr>
+              <a:t>。</a:t>
+            </a:r>
+            <a:endParaRPr lang="zh-CN" altLang="en-US">
+              <a:solidFill>
+                <a:schemeClr val="tx1"/>
+              </a:solidFill>
+              <a:uFillTx/>
+              <a:latin typeface="FreeMono" panose="020F0409020205020404" charset="0"/>
+            </a:endParaRPr>
+          </a:p>
+          <a:p>
+            <a:endParaRPr lang="zh-CN" altLang="en-US">
+              <a:solidFill>
+                <a:schemeClr val="tx1"/>
+              </a:solidFill>
+              <a:uFillTx/>
+              <a:latin typeface="FreeMono" panose="020F0409020205020404" charset="0"/>
+            </a:endParaRPr>
+          </a:p>
+          <a:p>
+            <a:r>
+              <a:rPr lang="en-US" altLang="zh-CN">
+                <a:solidFill>
+                  <a:schemeClr val="tx1"/>
+                </a:solidFill>
+                <a:uFillTx/>
+                <a:latin typeface="FreeMono" panose="020F0409020205020404" charset="0"/>
+              </a:rPr>
               <a:t>AppSecret</a:t>
             </a:r>
             <a:r>
@@ -3365,6 +3421,466 @@
               </a:rPr>
               <a:t>是需要申请并自己保存的密钥。</a:t>
             </a:r>
+            <a:endParaRPr lang="zh-CN" altLang="en-US">
+              <a:solidFill>
+                <a:schemeClr val="tx1"/>
+              </a:solidFill>
+              <a:uFillTx/>
+              <a:latin typeface="FreeMono" panose="020F0409020205020404" charset="0"/>
+            </a:endParaRPr>
+          </a:p>
+          <a:p>
+            <a:endParaRPr lang="zh-CN" altLang="en-US">
+              <a:solidFill>
+                <a:schemeClr val="tx1"/>
+              </a:solidFill>
+              <a:uFillTx/>
+              <a:latin typeface="FreeMono" panose="020F0409020205020404" charset="0"/>
+            </a:endParaRPr>
+          </a:p>
+          <a:p>
+            <a:r>
+              <a:rPr lang="zh-CN" altLang="en-US">
+                <a:solidFill>
+                  <a:schemeClr val="tx1"/>
+                </a:solidFill>
+                <a:uFillTx/>
+                <a:latin typeface="FreeMono" panose="020F0409020205020404" charset="0"/>
+              </a:rPr>
+              <a:t>通过调用</a:t>
+            </a:r>
+            <a:r>
+              <a:rPr lang="en-US" altLang="zh-CN">
+                <a:solidFill>
+                  <a:schemeClr val="tx1"/>
+                </a:solidFill>
+                <a:uFillTx/>
+                <a:latin typeface="FreeMono" panose="020F0409020205020404" charset="0"/>
+              </a:rPr>
+              <a:t>access_token</a:t>
+            </a:r>
+            <a:r>
+              <a:rPr lang="zh-CN" altLang="en-US">
+                <a:solidFill>
+                  <a:schemeClr val="tx1"/>
+                </a:solidFill>
+                <a:uFillTx/>
+                <a:latin typeface="FreeMono" panose="020F0409020205020404" charset="0"/>
+              </a:rPr>
+              <a:t>接口携带</a:t>
+            </a:r>
+            <a:r>
+              <a:rPr lang="en-US" altLang="zh-CN">
+                <a:solidFill>
+                  <a:schemeClr val="tx1"/>
+                </a:solidFill>
+                <a:uFillTx/>
+                <a:latin typeface="FreeMono" panose="020F0409020205020404" charset="0"/>
+              </a:rPr>
+              <a:t>AppID</a:t>
+            </a:r>
+            <a:r>
+              <a:rPr lang="zh-CN" altLang="en-US">
+                <a:solidFill>
+                  <a:schemeClr val="tx1"/>
+                </a:solidFill>
+                <a:uFillTx/>
+                <a:latin typeface="FreeMono" panose="020F0409020205020404" charset="0"/>
+              </a:rPr>
+              <a:t>以及</a:t>
+            </a:r>
+            <a:r>
+              <a:rPr lang="en-US" altLang="zh-CN">
+                <a:solidFill>
+                  <a:schemeClr val="tx1"/>
+                </a:solidFill>
+                <a:uFillTx/>
+                <a:latin typeface="FreeMono" panose="020F0409020205020404" charset="0"/>
+              </a:rPr>
+              <a:t>AppSecret</a:t>
+            </a:r>
+            <a:r>
+              <a:rPr lang="zh-CN" altLang="en-US">
+                <a:solidFill>
+                  <a:schemeClr val="tx1"/>
+                </a:solidFill>
+                <a:uFillTx/>
+                <a:latin typeface="FreeMono" panose="020F0409020205020404" charset="0"/>
+              </a:rPr>
+              <a:t>参数获取</a:t>
+            </a:r>
+            <a:r>
+              <a:rPr lang="en-US" altLang="zh-CN">
+                <a:solidFill>
+                  <a:schemeClr val="tx1"/>
+                </a:solidFill>
+                <a:uFillTx/>
+                <a:latin typeface="FreeMono" panose="020F0409020205020404" charset="0"/>
+              </a:rPr>
+              <a:t>access_token</a:t>
+            </a:r>
+            <a:r>
+              <a:rPr lang="zh-CN" altLang="en-US">
+                <a:solidFill>
+                  <a:schemeClr val="tx1"/>
+                </a:solidFill>
+                <a:uFillTx/>
+                <a:latin typeface="FreeMono" panose="020F0409020205020404" charset="0"/>
+              </a:rPr>
+              <a:t>。</a:t>
+            </a:r>
+            <a:endParaRPr lang="zh-CN" altLang="en-US">
+              <a:solidFill>
+                <a:schemeClr val="tx1"/>
+              </a:solidFill>
+              <a:uFillTx/>
+              <a:latin typeface="FreeMono" panose="020F0409020205020404" charset="0"/>
+            </a:endParaRPr>
+          </a:p>
+          <a:p>
+            <a:endParaRPr lang="zh-CN" altLang="en-US"/>
+          </a:p>
+          <a:p>
+            <a:pPr marL="0" indent="0">
+              <a:buNone/>
+            </a:pPr>
+            <a:endParaRPr lang="zh-CN" altLang="en-US"/>
+          </a:p>
+        </p:txBody>
+      </p:sp>
+    </p:spTree>
+  </p:cSld>
+  <p:clrMapOvr>
+    <a:masterClrMapping/>
+  </p:clrMapOvr>
+</p:sld>
+</file>
+
+<file path=ppt/slides/slide4.xml><?xml version="1.0" encoding="utf-8"?>
+<p:sld xmlns:a="http://schemas.openxmlformats.org/drawingml/2006/main" xmlns:r="http://schemas.openxmlformats.org/officeDocument/2006/relationships" xmlns:p="http://schemas.openxmlformats.org/presentationml/2006/main">
+  <p:cSld>
+    <p:spTree>
+      <p:nvGrpSpPr>
+        <p:cNvPr id="1" name=""/>
+        <p:cNvGrpSpPr/>
+        <p:nvPr/>
+      </p:nvGrpSpPr>
+      <p:grpSpPr/>
+      <p:sp>
+        <p:nvSpPr>
+          <p:cNvPr id="2" name="标题 1"/>
+          <p:cNvSpPr>
+            <a:spLocks noGrp="1"/>
+          </p:cNvSpPr>
+          <p:nvPr>
+            <p:ph type="title"/>
+          </p:nvPr>
+        </p:nvSpPr>
+        <p:spPr>
+          <a:xfrm>
+            <a:off x="838200" y="365125"/>
+            <a:ext cx="10515600" cy="709930"/>
+          </a:xfrm>
+        </p:spPr>
+        <p:txBody>
+          <a:bodyPr/>
+          <a:p>
+            <a:r>
+              <a:rPr lang="zh-CN" altLang="en-US" sz="3600"/>
+              <a:t>查看</a:t>
+            </a:r>
+            <a:r>
+              <a:rPr lang="en-US" altLang="zh-CN" sz="3600"/>
+              <a:t>AppID</a:t>
+            </a:r>
+            <a:r>
+              <a:rPr lang="zh-CN" altLang="en-US" sz="3600"/>
+              <a:t>以及获取</a:t>
+            </a:r>
+            <a:r>
+              <a:rPr lang="en-US" altLang="zh-CN" sz="3600"/>
+              <a:t>AppSecret</a:t>
+            </a:r>
+            <a:endParaRPr lang="en-US" altLang="zh-CN" sz="3600"/>
+          </a:p>
+        </p:txBody>
+      </p:sp>
+      <p:pic>
+        <p:nvPicPr>
+          <p:cNvPr id="5" name="内容占位符 4" descr="开发者信息"/>
+          <p:cNvPicPr>
+            <a:picLocks noChangeAspect="1"/>
+          </p:cNvPicPr>
+          <p:nvPr>
+            <p:ph idx="1"/>
+          </p:nvPr>
+        </p:nvPicPr>
+        <p:blipFill>
+          <a:blip r:embed="rId1"/>
+          <a:stretch>
+            <a:fillRect/>
+          </a:stretch>
+        </p:blipFill>
+        <p:spPr>
+          <a:xfrm>
+            <a:off x="29210" y="1388110"/>
+            <a:ext cx="12131675" cy="5056505"/>
+          </a:xfrm>
+          <a:prstGeom prst="rect">
+            <a:avLst/>
+          </a:prstGeom>
+        </p:spPr>
+      </p:pic>
+    </p:spTree>
+  </p:cSld>
+  <p:clrMapOvr>
+    <a:masterClrMapping/>
+  </p:clrMapOvr>
+</p:sld>
+</file>
+
+<file path=ppt/slides/slide5.xml><?xml version="1.0" encoding="utf-8"?>
+<p:sld xmlns:a="http://schemas.openxmlformats.org/drawingml/2006/main" xmlns:r="http://schemas.openxmlformats.org/officeDocument/2006/relationships" xmlns:p="http://schemas.openxmlformats.org/presentationml/2006/main">
+  <p:cSld>
+    <p:spTree>
+      <p:nvGrpSpPr>
+        <p:cNvPr id="1" name=""/>
+        <p:cNvGrpSpPr/>
+        <p:nvPr/>
+      </p:nvGrpSpPr>
+      <p:grpSpPr/>
+      <p:sp>
+        <p:nvSpPr>
+          <p:cNvPr id="2" name="标题 1"/>
+          <p:cNvSpPr>
+            <a:spLocks noGrp="1"/>
+          </p:cNvSpPr>
+          <p:nvPr>
+            <p:ph type="title"/>
+          </p:nvPr>
+        </p:nvSpPr>
+        <p:spPr>
+          <a:xfrm>
+            <a:off x="838200" y="365125"/>
+            <a:ext cx="10515600" cy="709930"/>
+          </a:xfrm>
+        </p:spPr>
+        <p:txBody>
+          <a:bodyPr/>
+          <a:p>
+            <a:r>
+              <a:rPr lang="en-US" altLang="zh-CN" sz="3600"/>
+              <a:t>access_token</a:t>
+            </a:r>
+            <a:r>
+              <a:rPr lang="zh-CN" altLang="en-US" sz="3600"/>
+              <a:t>接口返回值</a:t>
+            </a:r>
+            <a:endParaRPr lang="zh-CN" altLang="en-US" sz="3600"/>
+          </a:p>
+        </p:txBody>
+      </p:sp>
+      <p:sp>
+        <p:nvSpPr>
+          <p:cNvPr id="3" name="内容占位符 2"/>
+          <p:cNvSpPr>
+            <a:spLocks noGrp="1"/>
+          </p:cNvSpPr>
+          <p:nvPr>
+            <p:ph idx="1"/>
+          </p:nvPr>
+        </p:nvSpPr>
+        <p:spPr>
+          <a:xfrm>
+            <a:off x="838200" y="1316355"/>
+            <a:ext cx="10515600" cy="4860925"/>
+          </a:xfrm>
+        </p:spPr>
+        <p:txBody>
+          <a:bodyPr>
+            <a:normAutofit lnSpcReduction="20000"/>
+          </a:bodyPr>
+          <a:p>
+            <a:r>
+              <a:rPr lang="zh-CN" altLang="en-US">
+                <a:solidFill>
+                  <a:schemeClr val="tx1"/>
+                </a:solidFill>
+                <a:uFillTx/>
+                <a:latin typeface="FreeMono" panose="020F0409020205020404" charset="0"/>
+              </a:rPr>
+              <a:t>成功获取</a:t>
+            </a:r>
+            <a:r>
+              <a:rPr lang="en-US" altLang="zh-CN">
+                <a:solidFill>
+                  <a:schemeClr val="tx1"/>
+                </a:solidFill>
+                <a:uFillTx/>
+                <a:latin typeface="FreeMono" panose="020F0409020205020404" charset="0"/>
+              </a:rPr>
+              <a:t>access_token</a:t>
+            </a:r>
+            <a:r>
+              <a:rPr lang="zh-CN" altLang="en-US">
+                <a:solidFill>
+                  <a:schemeClr val="tx1"/>
+                </a:solidFill>
+                <a:uFillTx/>
+                <a:latin typeface="FreeMono" panose="020F0409020205020404" charset="0"/>
+              </a:rPr>
+              <a:t>会返回类似于以下数据：</a:t>
+            </a:r>
+            <a:endParaRPr lang="zh-CN" altLang="en-US">
+              <a:solidFill>
+                <a:schemeClr val="tx1"/>
+              </a:solidFill>
+              <a:uFillTx/>
+              <a:latin typeface="FreeMono" panose="020F0409020205020404" charset="0"/>
+            </a:endParaRPr>
+          </a:p>
+          <a:p>
+            <a:pPr marL="0" indent="0">
+              <a:buNone/>
+            </a:pPr>
+            <a:r>
+              <a:rPr lang="zh-CN" altLang="en-US">
+                <a:solidFill>
+                  <a:schemeClr val="tx1"/>
+                </a:solidFill>
+                <a:uFillTx/>
+                <a:latin typeface="FreeMono" panose="020F0409020205020404" charset="0"/>
+              </a:rPr>
+              <a:t>{</a:t>
+            </a:r>
+            <a:endParaRPr lang="zh-CN" altLang="en-US">
+              <a:solidFill>
+                <a:schemeClr val="tx1"/>
+              </a:solidFill>
+              <a:uFillTx/>
+              <a:latin typeface="FreeMono" panose="020F0409020205020404" charset="0"/>
+            </a:endParaRPr>
+          </a:p>
+          <a:p>
+            <a:pPr marL="0" indent="0">
+              <a:buNone/>
+            </a:pPr>
+            <a:r>
+              <a:rPr lang="zh-CN" altLang="en-US">
+                <a:solidFill>
+                  <a:schemeClr val="tx1"/>
+                </a:solidFill>
+                <a:uFillTx/>
+                <a:latin typeface="FreeMono" panose="020F0409020205020404" charset="0"/>
+              </a:rPr>
+              <a:t>"access_token":"18_M2CyZm2-OgqmM4QYWgyoVl3XDLgIASx2P5yQHY2vcNQ13xQHg95bG_ZCS7UkEG21B2F5K9is5uXOW6f12V2z-X4XxvjGJErgpSR3aopKYjwCaWNLFpQG9dopjlcgM5E4I7YP2TFMepdm3xvXIVObACABOH",</a:t>
+            </a:r>
+            <a:endParaRPr lang="zh-CN" altLang="en-US">
+              <a:solidFill>
+                <a:schemeClr val="tx1"/>
+              </a:solidFill>
+              <a:uFillTx/>
+              <a:latin typeface="FreeMono" panose="020F0409020205020404" charset="0"/>
+            </a:endParaRPr>
+          </a:p>
+          <a:p>
+            <a:pPr marL="0" indent="0">
+              <a:buNone/>
+            </a:pPr>
+            <a:endParaRPr lang="zh-CN" altLang="en-US">
+              <a:solidFill>
+                <a:schemeClr val="tx1"/>
+              </a:solidFill>
+              <a:uFillTx/>
+              <a:latin typeface="FreeMono" panose="020F0409020205020404" charset="0"/>
+            </a:endParaRPr>
+          </a:p>
+          <a:p>
+            <a:pPr marL="0" indent="0">
+              <a:buNone/>
+            </a:pPr>
+            <a:r>
+              <a:rPr lang="zh-CN" altLang="en-US">
+                <a:solidFill>
+                  <a:schemeClr val="tx1"/>
+                </a:solidFill>
+                <a:uFillTx/>
+                <a:latin typeface="FreeMono" panose="020F0409020205020404" charset="0"/>
+              </a:rPr>
+              <a:t>"expires_in":7200</a:t>
+            </a:r>
+            <a:endParaRPr lang="zh-CN" altLang="en-US">
+              <a:solidFill>
+                <a:schemeClr val="tx1"/>
+              </a:solidFill>
+              <a:uFillTx/>
+              <a:latin typeface="FreeMono" panose="020F0409020205020404" charset="0"/>
+            </a:endParaRPr>
+          </a:p>
+          <a:p>
+            <a:pPr marL="0" indent="0">
+              <a:buNone/>
+            </a:pPr>
+            <a:r>
+              <a:rPr lang="zh-CN" altLang="en-US">
+                <a:solidFill>
+                  <a:schemeClr val="tx1"/>
+                </a:solidFill>
+                <a:uFillTx/>
+                <a:latin typeface="FreeMono" panose="020F0409020205020404" charset="0"/>
+              </a:rPr>
+              <a:t>}</a:t>
+            </a:r>
+            <a:endParaRPr lang="zh-CN" altLang="en-US">
+              <a:solidFill>
+                <a:schemeClr val="tx1"/>
+              </a:solidFill>
+              <a:uFillTx/>
+              <a:latin typeface="FreeMono" panose="020F0409020205020404" charset="0"/>
+            </a:endParaRPr>
+          </a:p>
+          <a:p>
+            <a:r>
+              <a:rPr lang="zh-CN" altLang="en-US">
+                <a:solidFill>
+                  <a:schemeClr val="tx1"/>
+                </a:solidFill>
+                <a:uFillTx/>
+                <a:latin typeface="FreeMono" panose="020F0409020205020404" charset="0"/>
+              </a:rPr>
+              <a:t>错误返回：</a:t>
+            </a:r>
+            <a:endParaRPr lang="zh-CN" altLang="en-US">
+              <a:solidFill>
+                <a:schemeClr val="tx1"/>
+              </a:solidFill>
+              <a:uFillTx/>
+              <a:latin typeface="FreeMono" panose="020F0409020205020404" charset="0"/>
+            </a:endParaRPr>
+          </a:p>
+          <a:p>
+            <a:pPr marL="0" indent="0">
+              <a:buNone/>
+            </a:pPr>
+            <a:r>
+              <a:rPr lang="zh-CN" altLang="en-US">
+                <a:solidFill>
+                  <a:schemeClr val="tx1"/>
+                </a:solidFill>
+                <a:uFillTx/>
+                <a:latin typeface="FreeMono" panose="020F0409020205020404" charset="0"/>
+              </a:rPr>
+              <a:t>{"errcode":40013,"errmsg":"invalid appid"}</a:t>
+            </a:r>
+            <a:endParaRPr lang="zh-CN" altLang="en-US">
+              <a:solidFill>
+                <a:schemeClr val="tx1"/>
+              </a:solidFill>
+              <a:uFillTx/>
+              <a:latin typeface="FreeMono" panose="020F0409020205020404" charset="0"/>
+            </a:endParaRPr>
+          </a:p>
+          <a:p>
             <a:endParaRPr lang="zh-CN" altLang="en-US"/>
           </a:p>
           <a:p>

--- a/ch05/access_token.pptx
+++ b/ch05/access_token.pptx
@@ -7,9 +7,10 @@
   <p:sldIdLst>
     <p:sldId id="256" r:id="rId3"/>
     <p:sldId id="257" r:id="rId4"/>
-    <p:sldId id="258" r:id="rId5"/>
-    <p:sldId id="259" r:id="rId6"/>
-    <p:sldId id="260" r:id="rId7"/>
+    <p:sldId id="261" r:id="rId5"/>
+    <p:sldId id="258" r:id="rId6"/>
+    <p:sldId id="259" r:id="rId7"/>
+    <p:sldId id="260" r:id="rId8"/>
   </p:sldIdLst>
   <p:sldSz cx="12192000" cy="6858000"/>
   <p:notesSz cx="6858000" cy="9144000"/>
@@ -2958,235 +2959,32 @@
         <p:nvPr/>
       </p:nvGrpSpPr>
       <p:grpSpPr/>
-      <p:sp>
-        <p:nvSpPr>
-          <p:cNvPr id="2" name="标题 1"/>
-          <p:cNvSpPr>
-            <a:spLocks noGrp="1"/>
-          </p:cNvSpPr>
-          <p:nvPr>
-            <p:ph type="title"/>
-          </p:nvPr>
-        </p:nvSpPr>
+      <p:pic>
+        <p:nvPicPr>
+          <p:cNvPr id="4" name="内容占位符 3" descr="微信公众号接口调用说明"/>
+          <p:cNvPicPr>
+            <a:picLocks noChangeAspect="1"/>
+          </p:cNvPicPr>
+          <p:nvPr>
+            <p:ph idx="1"/>
+          </p:nvPr>
+        </p:nvPicPr>
+        <p:blipFill>
+          <a:blip r:embed="rId1"/>
+          <a:stretch>
+            <a:fillRect/>
+          </a:stretch>
+        </p:blipFill>
         <p:spPr>
           <a:xfrm>
-            <a:off x="838200" y="365125"/>
-            <a:ext cx="10515600" cy="709930"/>
+            <a:off x="1334770" y="60960"/>
+            <a:ext cx="9523095" cy="6735445"/>
           </a:xfrm>
+          <a:prstGeom prst="rect">
+            <a:avLst/>
+          </a:prstGeom>
         </p:spPr>
-        <p:txBody>
-          <a:bodyPr/>
-          <a:p>
-            <a:r>
-              <a:rPr lang="en-US" altLang="zh-CN" sz="3600"/>
-              <a:t>access_token</a:t>
-            </a:r>
-            <a:endParaRPr lang="en-US" altLang="zh-CN" sz="3600"/>
-          </a:p>
-        </p:txBody>
-      </p:sp>
-      <p:sp>
-        <p:nvSpPr>
-          <p:cNvPr id="3" name="内容占位符 2"/>
-          <p:cNvSpPr>
-            <a:spLocks noGrp="1"/>
-          </p:cNvSpPr>
-          <p:nvPr>
-            <p:ph idx="1"/>
-          </p:nvPr>
-        </p:nvSpPr>
-        <p:spPr>
-          <a:xfrm>
-            <a:off x="838200" y="1316355"/>
-            <a:ext cx="10515600" cy="4958080"/>
-          </a:xfrm>
-        </p:spPr>
-        <p:txBody>
-          <a:bodyPr/>
-          <a:p>
-            <a:r>
-              <a:rPr lang="en-US" altLang="zh-CN">
-                <a:solidFill>
-                  <a:schemeClr val="tx1"/>
-                </a:solidFill>
-                <a:uFillTx/>
-                <a:latin typeface="FreeMono" panose="020F0409020205020404" charset="0"/>
-              </a:rPr>
-              <a:t>access_token</a:t>
-            </a:r>
-            <a:r>
-              <a:rPr lang="zh-CN" altLang="en-US">
-                <a:solidFill>
-                  <a:schemeClr val="tx1"/>
-                </a:solidFill>
-                <a:uFillTx/>
-                <a:latin typeface="FreeMono" panose="020F0409020205020404" charset="0"/>
-              </a:rPr>
-              <a:t>是接口调用凭证。</a:t>
-            </a:r>
-            <a:endParaRPr lang="zh-CN" altLang="en-US">
-              <a:solidFill>
-                <a:schemeClr val="tx1"/>
-              </a:solidFill>
-              <a:uFillTx/>
-              <a:latin typeface="FreeMono" panose="020F0409020205020404" charset="0"/>
-            </a:endParaRPr>
-          </a:p>
-          <a:p>
-            <a:endParaRPr lang="zh-CN" altLang="en-US">
-              <a:solidFill>
-                <a:schemeClr val="tx1"/>
-              </a:solidFill>
-              <a:uFillTx/>
-              <a:latin typeface="FreeMono" panose="020F0409020205020404" charset="0"/>
-            </a:endParaRPr>
-          </a:p>
-          <a:p>
-            <a:r>
-              <a:rPr lang="zh-CN" altLang="en-US">
-                <a:solidFill>
-                  <a:schemeClr val="tx1"/>
-                </a:solidFill>
-                <a:uFillTx/>
-                <a:latin typeface="FreeMono" panose="020F0409020205020404" charset="0"/>
-              </a:rPr>
-              <a:t>开发者调用微信公众号提供的其他接口需要先通过</a:t>
-            </a:r>
-            <a:r>
-              <a:rPr lang="en-US" altLang="zh-CN">
-                <a:solidFill>
-                  <a:schemeClr val="tx1"/>
-                </a:solidFill>
-                <a:uFillTx/>
-                <a:latin typeface="FreeMono" panose="020F0409020205020404" charset="0"/>
-              </a:rPr>
-              <a:t>access_token</a:t>
-            </a:r>
-            <a:r>
-              <a:rPr lang="zh-CN" altLang="en-US">
-                <a:solidFill>
-                  <a:schemeClr val="tx1"/>
-                </a:solidFill>
-                <a:uFillTx/>
-                <a:latin typeface="FreeMono" panose="020F0409020205020404" charset="0"/>
-              </a:rPr>
-              <a:t>接口获取凭证。</a:t>
-            </a:r>
-            <a:endParaRPr lang="zh-CN" altLang="en-US">
-              <a:solidFill>
-                <a:schemeClr val="tx1"/>
-              </a:solidFill>
-              <a:uFillTx/>
-              <a:latin typeface="FreeMono" panose="020F0409020205020404" charset="0"/>
-            </a:endParaRPr>
-          </a:p>
-          <a:p>
-            <a:endParaRPr lang="zh-CN" altLang="en-US">
-              <a:solidFill>
-                <a:schemeClr val="tx1"/>
-              </a:solidFill>
-              <a:uFillTx/>
-              <a:latin typeface="FreeMono" panose="020F0409020205020404" charset="0"/>
-            </a:endParaRPr>
-          </a:p>
-          <a:p>
-            <a:r>
-              <a:rPr lang="zh-CN" altLang="en-US">
-                <a:solidFill>
-                  <a:schemeClr val="tx1"/>
-                </a:solidFill>
-                <a:uFillTx/>
-                <a:latin typeface="FreeMono" panose="020F0409020205020404" charset="0"/>
-              </a:rPr>
-              <a:t>通过获取的凭证再去调用其他接口。</a:t>
-            </a:r>
-            <a:endParaRPr lang="zh-CN" altLang="en-US">
-              <a:solidFill>
-                <a:schemeClr val="tx1"/>
-              </a:solidFill>
-              <a:uFillTx/>
-              <a:latin typeface="FreeMono" panose="020F0409020205020404" charset="0"/>
-            </a:endParaRPr>
-          </a:p>
-          <a:p>
-            <a:endParaRPr lang="zh-CN" altLang="en-US">
-              <a:solidFill>
-                <a:schemeClr val="tx1"/>
-              </a:solidFill>
-              <a:uFillTx/>
-              <a:latin typeface="FreeMono" panose="020F0409020205020404" charset="0"/>
-            </a:endParaRPr>
-          </a:p>
-          <a:p>
-            <a:r>
-              <a:rPr lang="zh-CN" altLang="en-US">
-                <a:solidFill>
-                  <a:schemeClr val="tx1"/>
-                </a:solidFill>
-                <a:uFillTx/>
-                <a:latin typeface="FreeMono" panose="020F0409020205020404" charset="0"/>
-              </a:rPr>
-              <a:t>对于任何其他接口都要在</a:t>
-            </a:r>
-            <a:r>
-              <a:rPr lang="en-US" altLang="zh-CN">
-                <a:solidFill>
-                  <a:schemeClr val="tx1"/>
-                </a:solidFill>
-                <a:uFillTx/>
-                <a:latin typeface="FreeMono" panose="020F0409020205020404" charset="0"/>
-              </a:rPr>
-              <a:t>URL</a:t>
-            </a:r>
-            <a:r>
-              <a:rPr lang="zh-CN" altLang="en-US">
-                <a:solidFill>
-                  <a:schemeClr val="tx1"/>
-                </a:solidFill>
-                <a:uFillTx/>
-                <a:latin typeface="FreeMono" panose="020F0409020205020404" charset="0"/>
-              </a:rPr>
-              <a:t>参数中加入</a:t>
-            </a:r>
-            <a:r>
-              <a:rPr lang="en-US" altLang="zh-CN">
-                <a:solidFill>
-                  <a:schemeClr val="tx1"/>
-                </a:solidFill>
-                <a:uFillTx/>
-                <a:latin typeface="FreeMono" panose="020F0409020205020404" charset="0"/>
-              </a:rPr>
-              <a:t>access_token</a:t>
-            </a:r>
-            <a:r>
-              <a:rPr lang="zh-CN" altLang="en-US">
-                <a:solidFill>
-                  <a:schemeClr val="tx1"/>
-                </a:solidFill>
-                <a:uFillTx/>
-                <a:latin typeface="FreeMono" panose="020F0409020205020404" charset="0"/>
-              </a:rPr>
-              <a:t>值。</a:t>
-            </a:r>
-            <a:endParaRPr lang="zh-CN" altLang="en-US">
-              <a:solidFill>
-                <a:schemeClr val="tx1"/>
-              </a:solidFill>
-              <a:uFillTx/>
-              <a:latin typeface="FreeMono" panose="020F0409020205020404" charset="0"/>
-            </a:endParaRPr>
-          </a:p>
-          <a:p>
-            <a:endParaRPr lang="en-US" altLang="zh-CN">
-              <a:solidFill>
-                <a:schemeClr val="tx1"/>
-              </a:solidFill>
-              <a:uFillTx/>
-              <a:latin typeface="FreeMono" panose="020F0409020205020404" charset="0"/>
-            </a:endParaRPr>
-          </a:p>
-        </p:txBody>
-      </p:sp>
+      </p:pic>
     </p:spTree>
   </p:cSld>
   <p:clrMapOvr>
@@ -3225,14 +3023,10 @@
           <a:bodyPr/>
           <a:p>
             <a:r>
-              <a:rPr lang="zh-CN" altLang="en-US" sz="3600"/>
-              <a:t>如何获取</a:t>
-            </a:r>
-            <a:r>
               <a:rPr lang="en-US" altLang="zh-CN" sz="3600"/>
               <a:t>access_token</a:t>
             </a:r>
-            <a:endParaRPr lang="zh-CN" altLang="en-US" sz="3600"/>
+            <a:endParaRPr lang="en-US" altLang="zh-CN" sz="3600"/>
           </a:p>
         </p:txBody>
       </p:sp>
@@ -3249,22 +3043,12 @@
         <p:spPr>
           <a:xfrm>
             <a:off x="838200" y="1316355"/>
-            <a:ext cx="10515600" cy="4860925"/>
+            <a:ext cx="10515600" cy="4958080"/>
           </a:xfrm>
         </p:spPr>
         <p:txBody>
           <a:bodyPr/>
           <a:p>
-            <a:r>
-              <a:rPr lang="zh-CN" altLang="en-US">
-                <a:solidFill>
-                  <a:schemeClr val="tx1"/>
-                </a:solidFill>
-                <a:uFillTx/>
-                <a:latin typeface="FreeMono" panose="020F0409020205020404" charset="0"/>
-              </a:rPr>
-              <a:t>获取</a:t>
-            </a:r>
             <a:r>
               <a:rPr lang="en-US" altLang="zh-CN">
                 <a:solidFill>
@@ -3283,47 +3067,7 @@
                 <a:uFillTx/>
                 <a:latin typeface="FreeMono" panose="020F0409020205020404" charset="0"/>
               </a:rPr>
-              <a:t>需要</a:t>
-            </a:r>
-            <a:r>
-              <a:rPr lang="en-US" altLang="zh-CN">
-                <a:solidFill>
-                  <a:schemeClr val="tx1"/>
-                </a:solidFill>
-                <a:uFillTx/>
-                <a:latin typeface="FreeMono" panose="020F0409020205020404" charset="0"/>
-              </a:rPr>
-              <a:t>AppID</a:t>
-            </a:r>
-            <a:r>
-              <a:rPr lang="zh-CN" altLang="en-US">
-                <a:solidFill>
-                  <a:schemeClr val="tx1"/>
-                </a:solidFill>
-                <a:uFillTx/>
-                <a:latin typeface="FreeMono" panose="020F0409020205020404" charset="0"/>
-              </a:rPr>
-              <a:t>和</a:t>
-            </a:r>
-            <a:r>
-              <a:rPr lang="en-US" altLang="zh-CN">
-                <a:solidFill>
-                  <a:schemeClr val="tx1"/>
-                </a:solidFill>
-                <a:uFillTx/>
-                <a:latin typeface="FreeMono" panose="020F0409020205020404" charset="0"/>
-              </a:rPr>
-              <a:t>AppSecret</a:t>
-            </a:r>
-            <a:r>
-              <a:rPr lang="zh-CN" altLang="en-US">
-                <a:solidFill>
-                  <a:schemeClr val="tx1"/>
-                </a:solidFill>
-                <a:uFillTx/>
-                <a:latin typeface="FreeMono" panose="020F0409020205020404" charset="0"/>
-              </a:rPr>
-              <a:t>。</a:t>
+              <a:t>是接口调用凭证。</a:t>
             </a:r>
             <a:endParaRPr lang="zh-CN" altLang="en-US">
               <a:solidFill>
@@ -3344,44 +3088,34 @@
           </a:p>
           <a:p>
             <a:r>
-              <a:rPr lang="en-US" altLang="zh-CN">
+              <a:rPr lang="zh-CN" altLang="en-US">
                 <a:solidFill>
                   <a:schemeClr val="tx1"/>
                 </a:solidFill>
                 <a:uFillTx/>
                 <a:latin typeface="FreeMono" panose="020F0409020205020404" charset="0"/>
               </a:rPr>
-              <a:t>AppID</a:t>
-            </a:r>
-            <a:r>
-              <a:rPr lang="zh-CN" altLang="en-US">
+              <a:t>开发者调用微信公众号提供的其他接口需要先通过</a:t>
+            </a:r>
+            <a:r>
+              <a:rPr lang="en-US" altLang="zh-CN">
                 <a:solidFill>
                   <a:schemeClr val="tx1"/>
                 </a:solidFill>
                 <a:uFillTx/>
                 <a:latin typeface="FreeMono" panose="020F0409020205020404" charset="0"/>
               </a:rPr>
-              <a:t>是注册公众号分配的唯一</a:t>
-            </a:r>
-            <a:r>
-              <a:rPr lang="en-US" altLang="zh-CN">
+              <a:t>access_token</a:t>
+            </a:r>
+            <a:r>
+              <a:rPr lang="zh-CN" altLang="en-US">
                 <a:solidFill>
                   <a:schemeClr val="tx1"/>
                 </a:solidFill>
                 <a:uFillTx/>
                 <a:latin typeface="FreeMono" panose="020F0409020205020404" charset="0"/>
               </a:rPr>
-              <a:t>ID</a:t>
-            </a:r>
-            <a:r>
-              <a:rPr lang="zh-CN" altLang="en-US">
-                <a:solidFill>
-                  <a:schemeClr val="tx1"/>
-                </a:solidFill>
-                <a:uFillTx/>
-                <a:latin typeface="FreeMono" panose="020F0409020205020404" charset="0"/>
-              </a:rPr>
-              <a:t>。</a:t>
+              <a:t>接口获取凭证。</a:t>
             </a:r>
             <a:endParaRPr lang="zh-CN" altLang="en-US">
               <a:solidFill>
@@ -3402,24 +3136,14 @@
           </a:p>
           <a:p>
             <a:r>
-              <a:rPr lang="en-US" altLang="zh-CN">
+              <a:rPr lang="zh-CN" altLang="en-US">
                 <a:solidFill>
                   <a:schemeClr val="tx1"/>
                 </a:solidFill>
                 <a:uFillTx/>
                 <a:latin typeface="FreeMono" panose="020F0409020205020404" charset="0"/>
               </a:rPr>
-              <a:t>AppSecret</a:t>
-            </a:r>
-            <a:r>
-              <a:rPr lang="zh-CN" altLang="en-US">
-                <a:solidFill>
-                  <a:schemeClr val="tx1"/>
-                </a:solidFill>
-                <a:uFillTx/>
-                <a:latin typeface="FreeMono" panose="020F0409020205020404" charset="0"/>
-              </a:rPr>
-              <a:t>是需要申请并自己保存的密钥。</a:t>
+              <a:t>通过获取的凭证再去调用其他接口。</a:t>
             </a:r>
             <a:endParaRPr lang="zh-CN" altLang="en-US">
               <a:solidFill>
@@ -3447,7 +3171,27 @@
                 <a:uFillTx/>
                 <a:latin typeface="FreeMono" panose="020F0409020205020404" charset="0"/>
               </a:rPr>
-              <a:t>通过调用</a:t>
+              <a:t>对于任何其他接口都要在</a:t>
+            </a:r>
+            <a:r>
+              <a:rPr lang="en-US" altLang="zh-CN">
+                <a:solidFill>
+                  <a:schemeClr val="tx1"/>
+                </a:solidFill>
+                <a:uFillTx/>
+                <a:latin typeface="FreeMono" panose="020F0409020205020404" charset="0"/>
+              </a:rPr>
+              <a:t>URL</a:t>
+            </a:r>
+            <a:r>
+              <a:rPr lang="zh-CN" altLang="en-US">
+                <a:solidFill>
+                  <a:schemeClr val="tx1"/>
+                </a:solidFill>
+                <a:uFillTx/>
+                <a:latin typeface="FreeMono" panose="020F0409020205020404" charset="0"/>
+              </a:rPr>
+              <a:t>参数中加入</a:t>
             </a:r>
             <a:r>
               <a:rPr lang="en-US" altLang="zh-CN">
@@ -3467,67 +3211,7 @@
                 <a:uFillTx/>
                 <a:latin typeface="FreeMono" panose="020F0409020205020404" charset="0"/>
               </a:rPr>
-              <a:t>接口携带</a:t>
-            </a:r>
-            <a:r>
-              <a:rPr lang="en-US" altLang="zh-CN">
-                <a:solidFill>
-                  <a:schemeClr val="tx1"/>
-                </a:solidFill>
-                <a:uFillTx/>
-                <a:latin typeface="FreeMono" panose="020F0409020205020404" charset="0"/>
-              </a:rPr>
-              <a:t>AppID</a:t>
-            </a:r>
-            <a:r>
-              <a:rPr lang="zh-CN" altLang="en-US">
-                <a:solidFill>
-                  <a:schemeClr val="tx1"/>
-                </a:solidFill>
-                <a:uFillTx/>
-                <a:latin typeface="FreeMono" panose="020F0409020205020404" charset="0"/>
-              </a:rPr>
-              <a:t>以及</a:t>
-            </a:r>
-            <a:r>
-              <a:rPr lang="en-US" altLang="zh-CN">
-                <a:solidFill>
-                  <a:schemeClr val="tx1"/>
-                </a:solidFill>
-                <a:uFillTx/>
-                <a:latin typeface="FreeMono" panose="020F0409020205020404" charset="0"/>
-              </a:rPr>
-              <a:t>AppSecret</a:t>
-            </a:r>
-            <a:r>
-              <a:rPr lang="zh-CN" altLang="en-US">
-                <a:solidFill>
-                  <a:schemeClr val="tx1"/>
-                </a:solidFill>
-                <a:uFillTx/>
-                <a:latin typeface="FreeMono" panose="020F0409020205020404" charset="0"/>
-              </a:rPr>
-              <a:t>参数获取</a:t>
-            </a:r>
-            <a:r>
-              <a:rPr lang="en-US" altLang="zh-CN">
-                <a:solidFill>
-                  <a:schemeClr val="tx1"/>
-                </a:solidFill>
-                <a:uFillTx/>
-                <a:latin typeface="FreeMono" panose="020F0409020205020404" charset="0"/>
-              </a:rPr>
-              <a:t>access_token</a:t>
-            </a:r>
-            <a:r>
-              <a:rPr lang="zh-CN" altLang="en-US">
-                <a:solidFill>
-                  <a:schemeClr val="tx1"/>
-                </a:solidFill>
-                <a:uFillTx/>
-                <a:latin typeface="FreeMono" panose="020F0409020205020404" charset="0"/>
-              </a:rPr>
-              <a:t>。</a:t>
+              <a:t>值。</a:t>
             </a:r>
             <a:endParaRPr lang="zh-CN" altLang="en-US">
               <a:solidFill>
@@ -3538,13 +3222,13 @@
             </a:endParaRPr>
           </a:p>
           <a:p>
-            <a:endParaRPr lang="zh-CN" altLang="en-US"/>
-          </a:p>
-          <a:p>
-            <a:pPr marL="0" indent="0">
-              <a:buNone/>
-            </a:pPr>
-            <a:endParaRPr lang="zh-CN" altLang="en-US"/>
+            <a:endParaRPr lang="en-US" altLang="zh-CN">
+              <a:solidFill>
+                <a:schemeClr val="tx1"/>
+              </a:solidFill>
+              <a:uFillTx/>
+              <a:latin typeface="FreeMono" panose="020F0409020205020404" charset="0"/>
+            </a:endParaRPr>
           </a:p>
         </p:txBody>
       </p:sp>
@@ -3557,6 +3241,367 @@
 </file>
 
 <file path=ppt/slides/slide4.xml><?xml version="1.0" encoding="utf-8"?>
+<p:sld xmlns:a="http://schemas.openxmlformats.org/drawingml/2006/main" xmlns:r="http://schemas.openxmlformats.org/officeDocument/2006/relationships" xmlns:p="http://schemas.openxmlformats.org/presentationml/2006/main">
+  <p:cSld>
+    <p:spTree>
+      <p:nvGrpSpPr>
+        <p:cNvPr id="1" name=""/>
+        <p:cNvGrpSpPr/>
+        <p:nvPr/>
+      </p:nvGrpSpPr>
+      <p:grpSpPr/>
+      <p:sp>
+        <p:nvSpPr>
+          <p:cNvPr id="2" name="标题 1"/>
+          <p:cNvSpPr>
+            <a:spLocks noGrp="1"/>
+          </p:cNvSpPr>
+          <p:nvPr>
+            <p:ph type="title"/>
+          </p:nvPr>
+        </p:nvSpPr>
+        <p:spPr>
+          <a:xfrm>
+            <a:off x="838200" y="365125"/>
+            <a:ext cx="10515600" cy="709930"/>
+          </a:xfrm>
+        </p:spPr>
+        <p:txBody>
+          <a:bodyPr/>
+          <a:p>
+            <a:r>
+              <a:rPr lang="zh-CN" altLang="en-US" sz="3600"/>
+              <a:t>如何获取</a:t>
+            </a:r>
+            <a:r>
+              <a:rPr lang="en-US" altLang="zh-CN" sz="3600"/>
+              <a:t>access_token</a:t>
+            </a:r>
+            <a:endParaRPr lang="zh-CN" altLang="en-US" sz="3600"/>
+          </a:p>
+        </p:txBody>
+      </p:sp>
+      <p:sp>
+        <p:nvSpPr>
+          <p:cNvPr id="3" name="内容占位符 2"/>
+          <p:cNvSpPr>
+            <a:spLocks noGrp="1"/>
+          </p:cNvSpPr>
+          <p:nvPr>
+            <p:ph idx="1"/>
+          </p:nvPr>
+        </p:nvSpPr>
+        <p:spPr>
+          <a:xfrm>
+            <a:off x="838200" y="1316355"/>
+            <a:ext cx="10515600" cy="4860925"/>
+          </a:xfrm>
+        </p:spPr>
+        <p:txBody>
+          <a:bodyPr/>
+          <a:p>
+            <a:r>
+              <a:rPr lang="zh-CN" altLang="en-US">
+                <a:solidFill>
+                  <a:schemeClr val="tx1"/>
+                </a:solidFill>
+                <a:uFillTx/>
+                <a:latin typeface="FreeMono" panose="020F0409020205020404" charset="0"/>
+              </a:rPr>
+              <a:t>获取</a:t>
+            </a:r>
+            <a:r>
+              <a:rPr lang="en-US" altLang="zh-CN">
+                <a:solidFill>
+                  <a:schemeClr val="tx1"/>
+                </a:solidFill>
+                <a:uFillTx/>
+                <a:latin typeface="FreeMono" panose="020F0409020205020404" charset="0"/>
+              </a:rPr>
+              <a:t>access_token</a:t>
+            </a:r>
+            <a:r>
+              <a:rPr lang="zh-CN" altLang="en-US">
+                <a:solidFill>
+                  <a:schemeClr val="tx1"/>
+                </a:solidFill>
+                <a:uFillTx/>
+                <a:latin typeface="FreeMono" panose="020F0409020205020404" charset="0"/>
+              </a:rPr>
+              <a:t>需要</a:t>
+            </a:r>
+            <a:r>
+              <a:rPr lang="en-US" altLang="zh-CN">
+                <a:solidFill>
+                  <a:schemeClr val="tx1"/>
+                </a:solidFill>
+                <a:uFillTx/>
+                <a:latin typeface="FreeMono" panose="020F0409020205020404" charset="0"/>
+              </a:rPr>
+              <a:t>AppID</a:t>
+            </a:r>
+            <a:r>
+              <a:rPr lang="zh-CN" altLang="en-US">
+                <a:solidFill>
+                  <a:schemeClr val="tx1"/>
+                </a:solidFill>
+                <a:uFillTx/>
+                <a:latin typeface="FreeMono" panose="020F0409020205020404" charset="0"/>
+              </a:rPr>
+              <a:t>和</a:t>
+            </a:r>
+            <a:r>
+              <a:rPr lang="en-US" altLang="zh-CN">
+                <a:solidFill>
+                  <a:schemeClr val="tx1"/>
+                </a:solidFill>
+                <a:uFillTx/>
+                <a:latin typeface="FreeMono" panose="020F0409020205020404" charset="0"/>
+              </a:rPr>
+              <a:t>AppSecret</a:t>
+            </a:r>
+            <a:r>
+              <a:rPr lang="zh-CN" altLang="en-US">
+                <a:solidFill>
+                  <a:schemeClr val="tx1"/>
+                </a:solidFill>
+                <a:uFillTx/>
+                <a:latin typeface="FreeMono" panose="020F0409020205020404" charset="0"/>
+              </a:rPr>
+              <a:t>。</a:t>
+            </a:r>
+            <a:endParaRPr lang="zh-CN" altLang="en-US">
+              <a:solidFill>
+                <a:schemeClr val="tx1"/>
+              </a:solidFill>
+              <a:uFillTx/>
+              <a:latin typeface="FreeMono" panose="020F0409020205020404" charset="0"/>
+            </a:endParaRPr>
+          </a:p>
+          <a:p>
+            <a:endParaRPr lang="zh-CN" altLang="en-US">
+              <a:solidFill>
+                <a:schemeClr val="tx1"/>
+              </a:solidFill>
+              <a:uFillTx/>
+              <a:latin typeface="FreeMono" panose="020F0409020205020404" charset="0"/>
+            </a:endParaRPr>
+          </a:p>
+          <a:p>
+            <a:r>
+              <a:rPr lang="en-US" altLang="zh-CN">
+                <a:solidFill>
+                  <a:schemeClr val="tx1"/>
+                </a:solidFill>
+                <a:uFillTx/>
+                <a:latin typeface="FreeMono" panose="020F0409020205020404" charset="0"/>
+              </a:rPr>
+              <a:t>AppID</a:t>
+            </a:r>
+            <a:r>
+              <a:rPr lang="zh-CN" altLang="en-US">
+                <a:solidFill>
+                  <a:schemeClr val="tx1"/>
+                </a:solidFill>
+                <a:uFillTx/>
+                <a:latin typeface="FreeMono" panose="020F0409020205020404" charset="0"/>
+              </a:rPr>
+              <a:t>是注册公众号分配的唯一</a:t>
+            </a:r>
+            <a:r>
+              <a:rPr lang="en-US" altLang="zh-CN">
+                <a:solidFill>
+                  <a:schemeClr val="tx1"/>
+                </a:solidFill>
+                <a:uFillTx/>
+                <a:latin typeface="FreeMono" panose="020F0409020205020404" charset="0"/>
+              </a:rPr>
+              <a:t>ID</a:t>
+            </a:r>
+            <a:r>
+              <a:rPr lang="zh-CN" altLang="en-US">
+                <a:solidFill>
+                  <a:schemeClr val="tx1"/>
+                </a:solidFill>
+                <a:uFillTx/>
+                <a:latin typeface="FreeMono" panose="020F0409020205020404" charset="0"/>
+              </a:rPr>
+              <a:t>。</a:t>
+            </a:r>
+            <a:endParaRPr lang="zh-CN" altLang="en-US">
+              <a:solidFill>
+                <a:schemeClr val="tx1"/>
+              </a:solidFill>
+              <a:uFillTx/>
+              <a:latin typeface="FreeMono" panose="020F0409020205020404" charset="0"/>
+            </a:endParaRPr>
+          </a:p>
+          <a:p>
+            <a:endParaRPr lang="zh-CN" altLang="en-US">
+              <a:solidFill>
+                <a:schemeClr val="tx1"/>
+              </a:solidFill>
+              <a:uFillTx/>
+              <a:latin typeface="FreeMono" panose="020F0409020205020404" charset="0"/>
+            </a:endParaRPr>
+          </a:p>
+          <a:p>
+            <a:r>
+              <a:rPr lang="en-US" altLang="zh-CN">
+                <a:solidFill>
+                  <a:schemeClr val="tx1"/>
+                </a:solidFill>
+                <a:uFillTx/>
+                <a:latin typeface="FreeMono" panose="020F0409020205020404" charset="0"/>
+              </a:rPr>
+              <a:t>AppSecret</a:t>
+            </a:r>
+            <a:r>
+              <a:rPr lang="zh-CN" altLang="en-US">
+                <a:solidFill>
+                  <a:schemeClr val="tx1"/>
+                </a:solidFill>
+                <a:uFillTx/>
+                <a:latin typeface="FreeMono" panose="020F0409020205020404" charset="0"/>
+              </a:rPr>
+              <a:t>是需要申请并自己保存的密钥。</a:t>
+            </a:r>
+            <a:endParaRPr lang="zh-CN" altLang="en-US">
+              <a:solidFill>
+                <a:schemeClr val="tx1"/>
+              </a:solidFill>
+              <a:uFillTx/>
+              <a:latin typeface="FreeMono" panose="020F0409020205020404" charset="0"/>
+            </a:endParaRPr>
+          </a:p>
+          <a:p>
+            <a:endParaRPr lang="zh-CN" altLang="en-US">
+              <a:solidFill>
+                <a:schemeClr val="tx1"/>
+              </a:solidFill>
+              <a:uFillTx/>
+              <a:latin typeface="FreeMono" panose="020F0409020205020404" charset="0"/>
+            </a:endParaRPr>
+          </a:p>
+          <a:p>
+            <a:r>
+              <a:rPr lang="zh-CN" altLang="en-US">
+                <a:solidFill>
+                  <a:schemeClr val="tx1"/>
+                </a:solidFill>
+                <a:uFillTx/>
+                <a:latin typeface="FreeMono" panose="020F0409020205020404" charset="0"/>
+              </a:rPr>
+              <a:t>通过调用</a:t>
+            </a:r>
+            <a:r>
+              <a:rPr lang="en-US" altLang="zh-CN">
+                <a:solidFill>
+                  <a:schemeClr val="tx1"/>
+                </a:solidFill>
+                <a:uFillTx/>
+                <a:latin typeface="FreeMono" panose="020F0409020205020404" charset="0"/>
+              </a:rPr>
+              <a:t>access_token</a:t>
+            </a:r>
+            <a:r>
+              <a:rPr lang="zh-CN" altLang="en-US">
+                <a:solidFill>
+                  <a:schemeClr val="tx1"/>
+                </a:solidFill>
+                <a:uFillTx/>
+                <a:latin typeface="FreeMono" panose="020F0409020205020404" charset="0"/>
+              </a:rPr>
+              <a:t>接口携带</a:t>
+            </a:r>
+            <a:r>
+              <a:rPr lang="en-US" altLang="zh-CN">
+                <a:solidFill>
+                  <a:schemeClr val="tx1"/>
+                </a:solidFill>
+                <a:uFillTx/>
+                <a:latin typeface="FreeMono" panose="020F0409020205020404" charset="0"/>
+              </a:rPr>
+              <a:t>AppID</a:t>
+            </a:r>
+            <a:r>
+              <a:rPr lang="zh-CN" altLang="en-US">
+                <a:solidFill>
+                  <a:schemeClr val="tx1"/>
+                </a:solidFill>
+                <a:uFillTx/>
+                <a:latin typeface="FreeMono" panose="020F0409020205020404" charset="0"/>
+              </a:rPr>
+              <a:t>以及</a:t>
+            </a:r>
+            <a:r>
+              <a:rPr lang="en-US" altLang="zh-CN">
+                <a:solidFill>
+                  <a:schemeClr val="tx1"/>
+                </a:solidFill>
+                <a:uFillTx/>
+                <a:latin typeface="FreeMono" panose="020F0409020205020404" charset="0"/>
+              </a:rPr>
+              <a:t>AppSecret</a:t>
+            </a:r>
+            <a:r>
+              <a:rPr lang="zh-CN" altLang="en-US">
+                <a:solidFill>
+                  <a:schemeClr val="tx1"/>
+                </a:solidFill>
+                <a:uFillTx/>
+                <a:latin typeface="FreeMono" panose="020F0409020205020404" charset="0"/>
+              </a:rPr>
+              <a:t>参数获取</a:t>
+            </a:r>
+            <a:r>
+              <a:rPr lang="en-US" altLang="zh-CN">
+                <a:solidFill>
+                  <a:schemeClr val="tx1"/>
+                </a:solidFill>
+                <a:uFillTx/>
+                <a:latin typeface="FreeMono" panose="020F0409020205020404" charset="0"/>
+              </a:rPr>
+              <a:t>access_token</a:t>
+            </a:r>
+            <a:r>
+              <a:rPr lang="zh-CN" altLang="en-US">
+                <a:solidFill>
+                  <a:schemeClr val="tx1"/>
+                </a:solidFill>
+                <a:uFillTx/>
+                <a:latin typeface="FreeMono" panose="020F0409020205020404" charset="0"/>
+              </a:rPr>
+              <a:t>。</a:t>
+            </a:r>
+            <a:endParaRPr lang="zh-CN" altLang="en-US">
+              <a:solidFill>
+                <a:schemeClr val="tx1"/>
+              </a:solidFill>
+              <a:uFillTx/>
+              <a:latin typeface="FreeMono" panose="020F0409020205020404" charset="0"/>
+            </a:endParaRPr>
+          </a:p>
+          <a:p>
+            <a:endParaRPr lang="zh-CN" altLang="en-US"/>
+          </a:p>
+          <a:p>
+            <a:pPr marL="0" indent="0">
+              <a:buNone/>
+            </a:pPr>
+            <a:endParaRPr lang="zh-CN" altLang="en-US"/>
+          </a:p>
+        </p:txBody>
+      </p:sp>
+    </p:spTree>
+  </p:cSld>
+  <p:clrMapOvr>
+    <a:masterClrMapping/>
+  </p:clrMapOvr>
+</p:sld>
+</file>
+
+<file path=ppt/slides/slide5.xml><?xml version="1.0" encoding="utf-8"?>
 <p:sld xmlns:a="http://schemas.openxmlformats.org/drawingml/2006/main" xmlns:r="http://schemas.openxmlformats.org/officeDocument/2006/relationships" xmlns:p="http://schemas.openxmlformats.org/presentationml/2006/main">
   <p:cSld>
     <p:spTree>
@@ -3639,7 +3684,7 @@
 </p:sld>
 </file>
 
-<file path=ppt/slides/slide5.xml><?xml version="1.0" encoding="utf-8"?>
+<file path=ppt/slides/slide6.xml><?xml version="1.0" encoding="utf-8"?>
 <p:sld xmlns:a="http://schemas.openxmlformats.org/drawingml/2006/main" xmlns:r="http://schemas.openxmlformats.org/officeDocument/2006/relationships" xmlns:p="http://schemas.openxmlformats.org/presentationml/2006/main">
   <p:cSld>
     <p:spTree>

--- a/ch05/access_token.pptx
+++ b/ch05/access_token.pptx
@@ -2961,7 +2961,7 @@
       <p:grpSpPr/>
       <p:pic>
         <p:nvPicPr>
-          <p:cNvPr id="4" name="内容占位符 3" descr="微信公众号接口调用说明"/>
+          <p:cNvPr id="3" name="内容占位符 2" descr="微信公众号接口调用说明"/>
           <p:cNvPicPr>
             <a:picLocks noChangeAspect="1"/>
           </p:cNvPicPr>
@@ -2977,8 +2977,8 @@
         </p:blipFill>
         <p:spPr>
           <a:xfrm>
-            <a:off x="1334770" y="60960"/>
-            <a:ext cx="9523095" cy="6735445"/>
+            <a:off x="1253490" y="12700"/>
+            <a:ext cx="9685655" cy="6849110"/>
           </a:xfrm>
           <a:prstGeom prst="rect">
             <a:avLst/>
@@ -3668,14 +3668,58 @@
         </p:blipFill>
         <p:spPr>
           <a:xfrm>
-            <a:off x="29210" y="1388110"/>
+            <a:off x="30480" y="1388110"/>
             <a:ext cx="12131675" cy="5056505"/>
           </a:xfrm>
           <a:prstGeom prst="rect">
             <a:avLst/>
           </a:prstGeom>
+          <a:ln w="12700">
+            <a:solidFill>
+              <a:schemeClr val="tx2">
+                <a:lumMod val="75000"/>
+              </a:schemeClr>
+            </a:solidFill>
+          </a:ln>
         </p:spPr>
       </p:pic>
+      <p:sp>
+        <p:nvSpPr>
+          <p:cNvPr id="3" name="文本框 2"/>
+          <p:cNvSpPr txBox="1"/>
+          <p:nvPr/>
+        </p:nvSpPr>
+        <p:spPr>
+          <a:xfrm>
+            <a:off x="6300470" y="1388110"/>
+            <a:ext cx="5053330" cy="829945"/>
+          </a:xfrm>
+          <a:prstGeom prst="rect">
+            <a:avLst/>
+          </a:prstGeom>
+          <a:noFill/>
+        </p:spPr>
+        <p:txBody>
+          <a:bodyPr wrap="square" rtlCol="0">
+            <a:spAutoFit/>
+          </a:bodyPr>
+          <a:p>
+            <a:r>
+              <a:rPr lang="zh-CN" altLang="en-US" sz="2400">
+                <a:solidFill>
+                  <a:srgbClr val="CF5707"/>
+                </a:solidFill>
+              </a:rPr>
+              <a:t>页面截图：登录微信公众号在开发选项中找到基本配置</a:t>
+            </a:r>
+            <a:endParaRPr lang="zh-CN" altLang="en-US" sz="2400">
+              <a:solidFill>
+                <a:srgbClr val="CF5707"/>
+              </a:solidFill>
+            </a:endParaRPr>
+          </a:p>
+        </p:txBody>
+      </p:sp>
     </p:spTree>
   </p:cSld>
   <p:clrMapOvr>

--- a/ch05/access_token.pptx
+++ b/ch05/access_token.pptx
@@ -6,8 +6,8 @@
   </p:sldMasterIdLst>
   <p:sldIdLst>
     <p:sldId id="256" r:id="rId3"/>
-    <p:sldId id="257" r:id="rId4"/>
-    <p:sldId id="261" r:id="rId5"/>
+    <p:sldId id="261" r:id="rId4"/>
+    <p:sldId id="257" r:id="rId5"/>
     <p:sldId id="258" r:id="rId6"/>
     <p:sldId id="259" r:id="rId7"/>
     <p:sldId id="260" r:id="rId8"/>
@@ -2959,32 +2959,235 @@
         <p:nvPr/>
       </p:nvGrpSpPr>
       <p:grpSpPr/>
-      <p:pic>
-        <p:nvPicPr>
-          <p:cNvPr id="3" name="内容占位符 2" descr="微信公众号接口调用说明"/>
-          <p:cNvPicPr>
-            <a:picLocks noChangeAspect="1"/>
-          </p:cNvPicPr>
-          <p:nvPr>
-            <p:ph idx="1"/>
-          </p:nvPr>
-        </p:nvPicPr>
-        <p:blipFill>
-          <a:blip r:embed="rId1"/>
-          <a:stretch>
-            <a:fillRect/>
-          </a:stretch>
-        </p:blipFill>
+      <p:sp>
+        <p:nvSpPr>
+          <p:cNvPr id="2" name="标题 1"/>
+          <p:cNvSpPr>
+            <a:spLocks noGrp="1"/>
+          </p:cNvSpPr>
+          <p:nvPr>
+            <p:ph type="title"/>
+          </p:nvPr>
+        </p:nvSpPr>
         <p:spPr>
           <a:xfrm>
-            <a:off x="1253490" y="12700"/>
-            <a:ext cx="9685655" cy="6849110"/>
+            <a:off x="838200" y="365125"/>
+            <a:ext cx="10515600" cy="709930"/>
           </a:xfrm>
-          <a:prstGeom prst="rect">
-            <a:avLst/>
-          </a:prstGeom>
         </p:spPr>
-      </p:pic>
+        <p:txBody>
+          <a:bodyPr/>
+          <a:p>
+            <a:r>
+              <a:rPr lang="en-US" altLang="zh-CN" sz="3600"/>
+              <a:t>access_token</a:t>
+            </a:r>
+            <a:endParaRPr lang="en-US" altLang="zh-CN" sz="3600"/>
+          </a:p>
+        </p:txBody>
+      </p:sp>
+      <p:sp>
+        <p:nvSpPr>
+          <p:cNvPr id="3" name="内容占位符 2"/>
+          <p:cNvSpPr>
+            <a:spLocks noGrp="1"/>
+          </p:cNvSpPr>
+          <p:nvPr>
+            <p:ph idx="1"/>
+          </p:nvPr>
+        </p:nvSpPr>
+        <p:spPr>
+          <a:xfrm>
+            <a:off x="838200" y="1316355"/>
+            <a:ext cx="10515600" cy="4958080"/>
+          </a:xfrm>
+        </p:spPr>
+        <p:txBody>
+          <a:bodyPr/>
+          <a:p>
+            <a:r>
+              <a:rPr lang="en-US" altLang="zh-CN">
+                <a:solidFill>
+                  <a:schemeClr val="tx1"/>
+                </a:solidFill>
+                <a:uFillTx/>
+                <a:latin typeface="FreeMono" panose="020F0409020205020404" charset="0"/>
+              </a:rPr>
+              <a:t>access_token</a:t>
+            </a:r>
+            <a:r>
+              <a:rPr lang="zh-CN" altLang="en-US">
+                <a:solidFill>
+                  <a:schemeClr val="tx1"/>
+                </a:solidFill>
+                <a:uFillTx/>
+                <a:latin typeface="FreeMono" panose="020F0409020205020404" charset="0"/>
+              </a:rPr>
+              <a:t>是接口调用凭证。</a:t>
+            </a:r>
+            <a:endParaRPr lang="zh-CN" altLang="en-US">
+              <a:solidFill>
+                <a:schemeClr val="tx1"/>
+              </a:solidFill>
+              <a:uFillTx/>
+              <a:latin typeface="FreeMono" panose="020F0409020205020404" charset="0"/>
+            </a:endParaRPr>
+          </a:p>
+          <a:p>
+            <a:endParaRPr lang="zh-CN" altLang="en-US">
+              <a:solidFill>
+                <a:schemeClr val="tx1"/>
+              </a:solidFill>
+              <a:uFillTx/>
+              <a:latin typeface="FreeMono" panose="020F0409020205020404" charset="0"/>
+            </a:endParaRPr>
+          </a:p>
+          <a:p>
+            <a:r>
+              <a:rPr lang="zh-CN" altLang="en-US">
+                <a:solidFill>
+                  <a:schemeClr val="tx1"/>
+                </a:solidFill>
+                <a:uFillTx/>
+                <a:latin typeface="FreeMono" panose="020F0409020205020404" charset="0"/>
+              </a:rPr>
+              <a:t>开发者调用微信公众号提供的其他接口需要先通过</a:t>
+            </a:r>
+            <a:r>
+              <a:rPr lang="en-US" altLang="zh-CN">
+                <a:solidFill>
+                  <a:schemeClr val="tx1"/>
+                </a:solidFill>
+                <a:uFillTx/>
+                <a:latin typeface="FreeMono" panose="020F0409020205020404" charset="0"/>
+              </a:rPr>
+              <a:t>access_token</a:t>
+            </a:r>
+            <a:r>
+              <a:rPr lang="zh-CN" altLang="en-US">
+                <a:solidFill>
+                  <a:schemeClr val="tx1"/>
+                </a:solidFill>
+                <a:uFillTx/>
+                <a:latin typeface="FreeMono" panose="020F0409020205020404" charset="0"/>
+              </a:rPr>
+              <a:t>接口获取凭证。</a:t>
+            </a:r>
+            <a:endParaRPr lang="zh-CN" altLang="en-US">
+              <a:solidFill>
+                <a:schemeClr val="tx1"/>
+              </a:solidFill>
+              <a:uFillTx/>
+              <a:latin typeface="FreeMono" panose="020F0409020205020404" charset="0"/>
+            </a:endParaRPr>
+          </a:p>
+          <a:p>
+            <a:endParaRPr lang="zh-CN" altLang="en-US">
+              <a:solidFill>
+                <a:schemeClr val="tx1"/>
+              </a:solidFill>
+              <a:uFillTx/>
+              <a:latin typeface="FreeMono" panose="020F0409020205020404" charset="0"/>
+            </a:endParaRPr>
+          </a:p>
+          <a:p>
+            <a:r>
+              <a:rPr lang="zh-CN" altLang="en-US">
+                <a:solidFill>
+                  <a:schemeClr val="tx1"/>
+                </a:solidFill>
+                <a:uFillTx/>
+                <a:latin typeface="FreeMono" panose="020F0409020205020404" charset="0"/>
+              </a:rPr>
+              <a:t>通过获取的凭证再去调用其他接口。</a:t>
+            </a:r>
+            <a:endParaRPr lang="zh-CN" altLang="en-US">
+              <a:solidFill>
+                <a:schemeClr val="tx1"/>
+              </a:solidFill>
+              <a:uFillTx/>
+              <a:latin typeface="FreeMono" panose="020F0409020205020404" charset="0"/>
+            </a:endParaRPr>
+          </a:p>
+          <a:p>
+            <a:endParaRPr lang="zh-CN" altLang="en-US">
+              <a:solidFill>
+                <a:schemeClr val="tx1"/>
+              </a:solidFill>
+              <a:uFillTx/>
+              <a:latin typeface="FreeMono" panose="020F0409020205020404" charset="0"/>
+            </a:endParaRPr>
+          </a:p>
+          <a:p>
+            <a:r>
+              <a:rPr lang="zh-CN" altLang="en-US">
+                <a:solidFill>
+                  <a:schemeClr val="tx1"/>
+                </a:solidFill>
+                <a:uFillTx/>
+                <a:latin typeface="FreeMono" panose="020F0409020205020404" charset="0"/>
+              </a:rPr>
+              <a:t>对于任何其他接口都要在</a:t>
+            </a:r>
+            <a:r>
+              <a:rPr lang="en-US" altLang="zh-CN">
+                <a:solidFill>
+                  <a:schemeClr val="tx1"/>
+                </a:solidFill>
+                <a:uFillTx/>
+                <a:latin typeface="FreeMono" panose="020F0409020205020404" charset="0"/>
+              </a:rPr>
+              <a:t>URL</a:t>
+            </a:r>
+            <a:r>
+              <a:rPr lang="zh-CN" altLang="en-US">
+                <a:solidFill>
+                  <a:schemeClr val="tx1"/>
+                </a:solidFill>
+                <a:uFillTx/>
+                <a:latin typeface="FreeMono" panose="020F0409020205020404" charset="0"/>
+              </a:rPr>
+              <a:t>参数中加入</a:t>
+            </a:r>
+            <a:r>
+              <a:rPr lang="en-US" altLang="zh-CN">
+                <a:solidFill>
+                  <a:schemeClr val="tx1"/>
+                </a:solidFill>
+                <a:uFillTx/>
+                <a:latin typeface="FreeMono" panose="020F0409020205020404" charset="0"/>
+              </a:rPr>
+              <a:t>access_token</a:t>
+            </a:r>
+            <a:r>
+              <a:rPr lang="zh-CN" altLang="en-US">
+                <a:solidFill>
+                  <a:schemeClr val="tx1"/>
+                </a:solidFill>
+                <a:uFillTx/>
+                <a:latin typeface="FreeMono" panose="020F0409020205020404" charset="0"/>
+              </a:rPr>
+              <a:t>值。</a:t>
+            </a:r>
+            <a:endParaRPr lang="zh-CN" altLang="en-US">
+              <a:solidFill>
+                <a:schemeClr val="tx1"/>
+              </a:solidFill>
+              <a:uFillTx/>
+              <a:latin typeface="FreeMono" panose="020F0409020205020404" charset="0"/>
+            </a:endParaRPr>
+          </a:p>
+          <a:p>
+            <a:endParaRPr lang="en-US" altLang="zh-CN">
+              <a:solidFill>
+                <a:schemeClr val="tx1"/>
+              </a:solidFill>
+              <a:uFillTx/>
+              <a:latin typeface="FreeMono" panose="020F0409020205020404" charset="0"/>
+            </a:endParaRPr>
+          </a:p>
+        </p:txBody>
+      </p:sp>
     </p:spTree>
   </p:cSld>
   <p:clrMapOvr>
@@ -3003,235 +3206,32 @@
         <p:nvPr/>
       </p:nvGrpSpPr>
       <p:grpSpPr/>
-      <p:sp>
-        <p:nvSpPr>
-          <p:cNvPr id="2" name="标题 1"/>
-          <p:cNvSpPr>
-            <a:spLocks noGrp="1"/>
-          </p:cNvSpPr>
-          <p:nvPr>
-            <p:ph type="title"/>
-          </p:nvPr>
-        </p:nvSpPr>
+      <p:pic>
+        <p:nvPicPr>
+          <p:cNvPr id="3" name="内容占位符 2" descr="微信公众号接口调用说明"/>
+          <p:cNvPicPr>
+            <a:picLocks noChangeAspect="1"/>
+          </p:cNvPicPr>
+          <p:nvPr>
+            <p:ph idx="1"/>
+          </p:nvPr>
+        </p:nvPicPr>
+        <p:blipFill>
+          <a:blip r:embed="rId1"/>
+          <a:stretch>
+            <a:fillRect/>
+          </a:stretch>
+        </p:blipFill>
         <p:spPr>
           <a:xfrm>
-            <a:off x="838200" y="365125"/>
-            <a:ext cx="10515600" cy="709930"/>
+            <a:off x="1253490" y="12700"/>
+            <a:ext cx="9685655" cy="6849110"/>
           </a:xfrm>
+          <a:prstGeom prst="rect">
+            <a:avLst/>
+          </a:prstGeom>
         </p:spPr>
-        <p:txBody>
-          <a:bodyPr/>
-          <a:p>
-            <a:r>
-              <a:rPr lang="en-US" altLang="zh-CN" sz="3600"/>
-              <a:t>access_token</a:t>
-            </a:r>
-            <a:endParaRPr lang="en-US" altLang="zh-CN" sz="3600"/>
-          </a:p>
-        </p:txBody>
-      </p:sp>
-      <p:sp>
-        <p:nvSpPr>
-          <p:cNvPr id="3" name="内容占位符 2"/>
-          <p:cNvSpPr>
-            <a:spLocks noGrp="1"/>
-          </p:cNvSpPr>
-          <p:nvPr>
-            <p:ph idx="1"/>
-          </p:nvPr>
-        </p:nvSpPr>
-        <p:spPr>
-          <a:xfrm>
-            <a:off x="838200" y="1316355"/>
-            <a:ext cx="10515600" cy="4958080"/>
-          </a:xfrm>
-        </p:spPr>
-        <p:txBody>
-          <a:bodyPr/>
-          <a:p>
-            <a:r>
-              <a:rPr lang="en-US" altLang="zh-CN">
-                <a:solidFill>
-                  <a:schemeClr val="tx1"/>
-                </a:solidFill>
-                <a:uFillTx/>
-                <a:latin typeface="FreeMono" panose="020F0409020205020404" charset="0"/>
-              </a:rPr>
-              <a:t>access_token</a:t>
-            </a:r>
-            <a:r>
-              <a:rPr lang="zh-CN" altLang="en-US">
-                <a:solidFill>
-                  <a:schemeClr val="tx1"/>
-                </a:solidFill>
-                <a:uFillTx/>
-                <a:latin typeface="FreeMono" panose="020F0409020205020404" charset="0"/>
-              </a:rPr>
-              <a:t>是接口调用凭证。</a:t>
-            </a:r>
-            <a:endParaRPr lang="zh-CN" altLang="en-US">
-              <a:solidFill>
-                <a:schemeClr val="tx1"/>
-              </a:solidFill>
-              <a:uFillTx/>
-              <a:latin typeface="FreeMono" panose="020F0409020205020404" charset="0"/>
-            </a:endParaRPr>
-          </a:p>
-          <a:p>
-            <a:endParaRPr lang="zh-CN" altLang="en-US">
-              <a:solidFill>
-                <a:schemeClr val="tx1"/>
-              </a:solidFill>
-              <a:uFillTx/>
-              <a:latin typeface="FreeMono" panose="020F0409020205020404" charset="0"/>
-            </a:endParaRPr>
-          </a:p>
-          <a:p>
-            <a:r>
-              <a:rPr lang="zh-CN" altLang="en-US">
-                <a:solidFill>
-                  <a:schemeClr val="tx1"/>
-                </a:solidFill>
-                <a:uFillTx/>
-                <a:latin typeface="FreeMono" panose="020F0409020205020404" charset="0"/>
-              </a:rPr>
-              <a:t>开发者调用微信公众号提供的其他接口需要先通过</a:t>
-            </a:r>
-            <a:r>
-              <a:rPr lang="en-US" altLang="zh-CN">
-                <a:solidFill>
-                  <a:schemeClr val="tx1"/>
-                </a:solidFill>
-                <a:uFillTx/>
-                <a:latin typeface="FreeMono" panose="020F0409020205020404" charset="0"/>
-              </a:rPr>
-              <a:t>access_token</a:t>
-            </a:r>
-            <a:r>
-              <a:rPr lang="zh-CN" altLang="en-US">
-                <a:solidFill>
-                  <a:schemeClr val="tx1"/>
-                </a:solidFill>
-                <a:uFillTx/>
-                <a:latin typeface="FreeMono" panose="020F0409020205020404" charset="0"/>
-              </a:rPr>
-              <a:t>接口获取凭证。</a:t>
-            </a:r>
-            <a:endParaRPr lang="zh-CN" altLang="en-US">
-              <a:solidFill>
-                <a:schemeClr val="tx1"/>
-              </a:solidFill>
-              <a:uFillTx/>
-              <a:latin typeface="FreeMono" panose="020F0409020205020404" charset="0"/>
-            </a:endParaRPr>
-          </a:p>
-          <a:p>
-            <a:endParaRPr lang="zh-CN" altLang="en-US">
-              <a:solidFill>
-                <a:schemeClr val="tx1"/>
-              </a:solidFill>
-              <a:uFillTx/>
-              <a:latin typeface="FreeMono" panose="020F0409020205020404" charset="0"/>
-            </a:endParaRPr>
-          </a:p>
-          <a:p>
-            <a:r>
-              <a:rPr lang="zh-CN" altLang="en-US">
-                <a:solidFill>
-                  <a:schemeClr val="tx1"/>
-                </a:solidFill>
-                <a:uFillTx/>
-                <a:latin typeface="FreeMono" panose="020F0409020205020404" charset="0"/>
-              </a:rPr>
-              <a:t>通过获取的凭证再去调用其他接口。</a:t>
-            </a:r>
-            <a:endParaRPr lang="zh-CN" altLang="en-US">
-              <a:solidFill>
-                <a:schemeClr val="tx1"/>
-              </a:solidFill>
-              <a:uFillTx/>
-              <a:latin typeface="FreeMono" panose="020F0409020205020404" charset="0"/>
-            </a:endParaRPr>
-          </a:p>
-          <a:p>
-            <a:endParaRPr lang="zh-CN" altLang="en-US">
-              <a:solidFill>
-                <a:schemeClr val="tx1"/>
-              </a:solidFill>
-              <a:uFillTx/>
-              <a:latin typeface="FreeMono" panose="020F0409020205020404" charset="0"/>
-            </a:endParaRPr>
-          </a:p>
-          <a:p>
-            <a:r>
-              <a:rPr lang="zh-CN" altLang="en-US">
-                <a:solidFill>
-                  <a:schemeClr val="tx1"/>
-                </a:solidFill>
-                <a:uFillTx/>
-                <a:latin typeface="FreeMono" panose="020F0409020205020404" charset="0"/>
-              </a:rPr>
-              <a:t>对于任何其他接口都要在</a:t>
-            </a:r>
-            <a:r>
-              <a:rPr lang="en-US" altLang="zh-CN">
-                <a:solidFill>
-                  <a:schemeClr val="tx1"/>
-                </a:solidFill>
-                <a:uFillTx/>
-                <a:latin typeface="FreeMono" panose="020F0409020205020404" charset="0"/>
-              </a:rPr>
-              <a:t>URL</a:t>
-            </a:r>
-            <a:r>
-              <a:rPr lang="zh-CN" altLang="en-US">
-                <a:solidFill>
-                  <a:schemeClr val="tx1"/>
-                </a:solidFill>
-                <a:uFillTx/>
-                <a:latin typeface="FreeMono" panose="020F0409020205020404" charset="0"/>
-              </a:rPr>
-              <a:t>参数中加入</a:t>
-            </a:r>
-            <a:r>
-              <a:rPr lang="en-US" altLang="zh-CN">
-                <a:solidFill>
-                  <a:schemeClr val="tx1"/>
-                </a:solidFill>
-                <a:uFillTx/>
-                <a:latin typeface="FreeMono" panose="020F0409020205020404" charset="0"/>
-              </a:rPr>
-              <a:t>access_token</a:t>
-            </a:r>
-            <a:r>
-              <a:rPr lang="zh-CN" altLang="en-US">
-                <a:solidFill>
-                  <a:schemeClr val="tx1"/>
-                </a:solidFill>
-                <a:uFillTx/>
-                <a:latin typeface="FreeMono" panose="020F0409020205020404" charset="0"/>
-              </a:rPr>
-              <a:t>值。</a:t>
-            </a:r>
-            <a:endParaRPr lang="zh-CN" altLang="en-US">
-              <a:solidFill>
-                <a:schemeClr val="tx1"/>
-              </a:solidFill>
-              <a:uFillTx/>
-              <a:latin typeface="FreeMono" panose="020F0409020205020404" charset="0"/>
-            </a:endParaRPr>
-          </a:p>
-          <a:p>
-            <a:endParaRPr lang="en-US" altLang="zh-CN">
-              <a:solidFill>
-                <a:schemeClr val="tx1"/>
-              </a:solidFill>
-              <a:uFillTx/>
-              <a:latin typeface="FreeMono" panose="020F0409020205020404" charset="0"/>
-            </a:endParaRPr>
-          </a:p>
-        </p:txBody>
-      </p:sp>
+      </p:pic>
     </p:spTree>
   </p:cSld>
   <p:clrMapOvr>
